--- a/lectures materials/mmp/MMP4 Paradigms in Python part3.pptx
+++ b/lectures materials/mmp/MMP4 Paradigms in Python part3.pptx
@@ -17,7 +17,11 @@
     <p:sldId id="272" r:id="rId11"/>
     <p:sldId id="273" r:id="rId12"/>
     <p:sldId id="274" r:id="rId13"/>
-    <p:sldId id="265" r:id="rId14"/>
+    <p:sldId id="275" r:id="rId14"/>
+    <p:sldId id="276" r:id="rId15"/>
+    <p:sldId id="277" r:id="rId16"/>
+    <p:sldId id="278" r:id="rId17"/>
+    <p:sldId id="265" r:id="rId18"/>
   </p:sldIdLst>
   <p:sldSz cx="12192000" cy="6858000"/>
   <p:notesSz cx="6858000" cy="9144000"/>
@@ -4271,7 +4275,7 @@
           <p:cNvPr id="2" name="Заголовок 1">
             <a:extLst>
               <a:ext uri="{FF2B5EF4-FFF2-40B4-BE49-F238E27FC236}">
-                <a16:creationId xmlns="" xmlns:a16="http://schemas.microsoft.com/office/drawing/2014/main" id="{9937B8B6-83FA-8F52-6844-2083DF3BFCD4}"/>
+                <a16:creationId xmlns:a16="http://schemas.microsoft.com/office/drawing/2014/main" xmlns="" id="{9937B8B6-83FA-8F52-6844-2083DF3BFCD4}"/>
               </a:ext>
             </a:extLst>
           </p:cNvPr>
@@ -4315,7 +4319,7 @@
           <p:cNvPr id="3" name="Підзаголовок 2">
             <a:extLst>
               <a:ext uri="{FF2B5EF4-FFF2-40B4-BE49-F238E27FC236}">
-                <a16:creationId xmlns="" xmlns:a16="http://schemas.microsoft.com/office/drawing/2014/main" id="{E64F1456-974C-5B4F-F78A-FEBAF0780A05}"/>
+                <a16:creationId xmlns:a16="http://schemas.microsoft.com/office/drawing/2014/main" xmlns="" id="{E64F1456-974C-5B4F-F78A-FEBAF0780A05}"/>
               </a:ext>
             </a:extLst>
           </p:cNvPr>
@@ -4887,11 +4891,15 @@
           <a:p>
             <a:r>
               <a:rPr lang="en-US" dirty="0" err="1" smtClean="0"/>
-              <a:t>async</a:t>
+              <a:t>Async</a:t>
+            </a:r>
+            <a:r>
+              <a:rPr lang="ru-RU" dirty="0" smtClean="0"/>
+              <a:t> </a:t>
             </a:r>
             <a:r>
               <a:rPr lang="en-US" dirty="0" smtClean="0"/>
-              <a:t>/await</a:t>
+              <a:t>with</a:t>
             </a:r>
             <a:endParaRPr lang="ru-RU" dirty="0"/>
           </a:p>
@@ -4910,7 +4918,7 @@
         <p:spPr>
           <a:xfrm>
             <a:off x="415600" y="1536633"/>
-            <a:ext cx="11295754" cy="2303847"/>
+            <a:ext cx="6864431" cy="2303847"/>
           </a:xfrm>
         </p:spPr>
         <p:txBody>
@@ -4952,6 +4960,134 @@
           </a:p>
         </p:txBody>
       </p:sp>
+      <p:pic>
+        <p:nvPicPr>
+          <p:cNvPr id="1026" name="Picture 2"/>
+          <p:cNvPicPr>
+            <a:picLocks noChangeAspect="1" noChangeArrowheads="1"/>
+          </p:cNvPicPr>
+          <p:nvPr/>
+        </p:nvPicPr>
+        <p:blipFill>
+          <a:blip r:embed="rId2">
+            <a:extLst>
+              <a:ext uri="{28A0092B-C50C-407E-A947-70E740481C1C}">
+                <a14:useLocalDpi xmlns:a14="http://schemas.microsoft.com/office/drawing/2010/main" val="0"/>
+              </a:ext>
+            </a:extLst>
+          </a:blip>
+          <a:srcRect/>
+          <a:stretch>
+            <a:fillRect/>
+          </a:stretch>
+        </p:blipFill>
+        <p:spPr bwMode="auto">
+          <a:xfrm>
+            <a:off x="1697063" y="3038695"/>
+            <a:ext cx="3406775" cy="3094037"/>
+          </a:xfrm>
+          <a:prstGeom prst="rect">
+            <a:avLst/>
+          </a:prstGeom>
+          <a:noFill/>
+          <a:ln>
+            <a:noFill/>
+          </a:ln>
+          <a:effectLst/>
+          <a:extLst>
+            <a:ext uri="{909E8E84-426E-40DD-AFC4-6F175D3DCCD1}">
+              <a14:hiddenFill xmlns:a14="http://schemas.microsoft.com/office/drawing/2010/main">
+                <a:solidFill>
+                  <a:schemeClr val="accent1"/>
+                </a:solidFill>
+              </a14:hiddenFill>
+            </a:ext>
+            <a:ext uri="{91240B29-F687-4F45-9708-019B960494DF}">
+              <a14:hiddenLine xmlns:a14="http://schemas.microsoft.com/office/drawing/2010/main" w="9525">
+                <a:solidFill>
+                  <a:schemeClr val="tx1"/>
+                </a:solidFill>
+                <a:miter lim="800000"/>
+                <a:headEnd/>
+                <a:tailEnd/>
+              </a14:hiddenLine>
+            </a:ext>
+            <a:ext uri="{AF507438-7753-43E0-B8FC-AC1667EBCBE1}">
+              <a14:hiddenEffects xmlns:a14="http://schemas.microsoft.com/office/drawing/2010/main">
+                <a:effectLst>
+                  <a:outerShdw dist="35921" dir="2700000" algn="ctr" rotWithShape="0">
+                    <a:schemeClr val="bg2"/>
+                  </a:outerShdw>
+                </a:effectLst>
+              </a14:hiddenEffects>
+            </a:ext>
+          </a:extLst>
+        </p:spPr>
+      </p:pic>
+      <p:pic>
+        <p:nvPicPr>
+          <p:cNvPr id="1028" name="Picture 4"/>
+          <p:cNvPicPr>
+            <a:picLocks noChangeAspect="1" noChangeArrowheads="1"/>
+          </p:cNvPicPr>
+          <p:nvPr/>
+        </p:nvPicPr>
+        <p:blipFill>
+          <a:blip r:embed="rId3">
+            <a:extLst>
+              <a:ext uri="{28A0092B-C50C-407E-A947-70E740481C1C}">
+                <a14:useLocalDpi xmlns:a14="http://schemas.microsoft.com/office/drawing/2010/main" val="0"/>
+              </a:ext>
+            </a:extLst>
+          </a:blip>
+          <a:srcRect/>
+          <a:stretch>
+            <a:fillRect/>
+          </a:stretch>
+        </p:blipFill>
+        <p:spPr bwMode="auto">
+          <a:xfrm>
+            <a:off x="7632188" y="603519"/>
+            <a:ext cx="4000500" cy="5418137"/>
+          </a:xfrm>
+          <a:prstGeom prst="rect">
+            <a:avLst/>
+          </a:prstGeom>
+          <a:noFill/>
+          <a:ln>
+            <a:noFill/>
+          </a:ln>
+          <a:effectLst/>
+          <a:extLst>
+            <a:ext uri="{909E8E84-426E-40DD-AFC4-6F175D3DCCD1}">
+              <a14:hiddenFill xmlns:a14="http://schemas.microsoft.com/office/drawing/2010/main">
+                <a:solidFill>
+                  <a:schemeClr val="accent1"/>
+                </a:solidFill>
+              </a14:hiddenFill>
+            </a:ext>
+            <a:ext uri="{91240B29-F687-4F45-9708-019B960494DF}">
+              <a14:hiddenLine xmlns:a14="http://schemas.microsoft.com/office/drawing/2010/main" w="9525">
+                <a:solidFill>
+                  <a:schemeClr val="tx1"/>
+                </a:solidFill>
+                <a:miter lim="800000"/>
+                <a:headEnd/>
+                <a:tailEnd/>
+              </a14:hiddenLine>
+            </a:ext>
+            <a:ext uri="{AF507438-7753-43E0-B8FC-AC1667EBCBE1}">
+              <a14:hiddenEffects xmlns:a14="http://schemas.microsoft.com/office/drawing/2010/main">
+                <a:effectLst>
+                  <a:outerShdw dist="35921" dir="2700000" algn="ctr" rotWithShape="0">
+                    <a:schemeClr val="bg2"/>
+                  </a:outerShdw>
+                </a:effectLst>
+              </a14:hiddenEffects>
+            </a:ext>
+          </a:extLst>
+        </p:spPr>
+      </p:pic>
     </p:spTree>
     <p:extLst>
       <p:ext uri="{BB962C8B-B14F-4D97-AF65-F5344CB8AC3E}">
@@ -4966,6 +5102,2163 @@
 </file>
 
 <file path=ppt/slides/slide13.xml><?xml version="1.0" encoding="utf-8"?>
+<p:sld xmlns:a="http://schemas.openxmlformats.org/drawingml/2006/main" xmlns:r="http://schemas.openxmlformats.org/officeDocument/2006/relationships" xmlns:p="http://schemas.openxmlformats.org/presentationml/2006/main">
+  <p:cSld>
+    <p:spTree>
+      <p:nvGrpSpPr>
+        <p:cNvPr id="1" name=""/>
+        <p:cNvGrpSpPr/>
+        <p:nvPr/>
+      </p:nvGrpSpPr>
+      <p:grpSpPr>
+        <a:xfrm>
+          <a:off x="0" y="0"/>
+          <a:ext cx="0" cy="0"/>
+          <a:chOff x="0" y="0"/>
+          <a:chExt cx="0" cy="0"/>
+        </a:xfrm>
+      </p:grpSpPr>
+      <p:sp>
+        <p:nvSpPr>
+          <p:cNvPr id="2" name="Заголовок 1"/>
+          <p:cNvSpPr>
+            <a:spLocks noGrp="1"/>
+          </p:cNvSpPr>
+          <p:nvPr>
+            <p:ph type="title"/>
+          </p:nvPr>
+        </p:nvSpPr>
+        <p:spPr/>
+        <p:txBody>
+          <a:bodyPr/>
+          <a:lstStyle/>
+          <a:p>
+            <a:r>
+              <a:rPr lang="ru-RU" dirty="0" err="1"/>
+              <a:t>Асинхронні</a:t>
+            </a:r>
+            <a:r>
+              <a:rPr lang="ru-RU" dirty="0"/>
+              <a:t> </a:t>
+            </a:r>
+            <a:r>
+              <a:rPr lang="en-US" dirty="0"/>
+              <a:t>comprehension-</a:t>
+            </a:r>
+            <a:r>
+              <a:rPr lang="ru-RU" dirty="0" err="1"/>
+              <a:t>вирази</a:t>
+            </a:r>
+            <a:endParaRPr lang="ru-RU" dirty="0"/>
+          </a:p>
+        </p:txBody>
+      </p:sp>
+      <p:sp>
+        <p:nvSpPr>
+          <p:cNvPr id="3" name="Текст 2"/>
+          <p:cNvSpPr>
+            <a:spLocks noGrp="1"/>
+          </p:cNvSpPr>
+          <p:nvPr>
+            <p:ph type="body" idx="1"/>
+          </p:nvPr>
+        </p:nvSpPr>
+        <p:spPr>
+          <a:xfrm>
+            <a:off x="415600" y="1536633"/>
+            <a:ext cx="7729594" cy="4653152"/>
+          </a:xfrm>
+        </p:spPr>
+        <p:txBody>
+          <a:bodyPr>
+            <a:normAutofit/>
+          </a:bodyPr>
+          <a:lstStyle/>
+          <a:p>
+            <a:pPr marL="186262" indent="0">
+              <a:buNone/>
+            </a:pPr>
+            <a:r>
+              <a:rPr lang="en-US" b="1" dirty="0"/>
+              <a:t>Comprehension-</a:t>
+            </a:r>
+            <a:r>
+              <a:rPr lang="ru-RU" b="1" dirty="0" err="1"/>
+              <a:t>вирази</a:t>
+            </a:r>
+            <a:r>
+              <a:rPr lang="ru-RU" dirty="0"/>
+              <a:t> — </a:t>
+            </a:r>
+            <a:r>
+              <a:rPr lang="ru-RU" dirty="0" err="1"/>
+              <a:t>такі</a:t>
+            </a:r>
+            <a:r>
+              <a:rPr lang="ru-RU" dirty="0"/>
+              <a:t>, як </a:t>
+            </a:r>
+            <a:r>
+              <a:rPr lang="ru-RU" b="1" dirty="0" err="1"/>
+              <a:t>спискові</a:t>
+            </a:r>
+            <a:r>
+              <a:rPr lang="ru-RU" b="1" dirty="0"/>
+              <a:t> </a:t>
+            </a:r>
+            <a:r>
+              <a:rPr lang="ru-RU" b="1" dirty="0" err="1"/>
+              <a:t>включення</a:t>
+            </a:r>
+            <a:r>
+              <a:rPr lang="ru-RU" dirty="0"/>
+              <a:t> та </a:t>
+            </a:r>
+            <a:r>
+              <a:rPr lang="ru-RU" b="1" dirty="0" err="1"/>
+              <a:t>компактні</a:t>
+            </a:r>
+            <a:r>
+              <a:rPr lang="ru-RU" b="1" dirty="0"/>
+              <a:t> </a:t>
+            </a:r>
+            <a:r>
+              <a:rPr lang="ru-RU" b="1" dirty="0" err="1"/>
+              <a:t>вирази</a:t>
+            </a:r>
+            <a:r>
+              <a:rPr lang="ru-RU" b="1" dirty="0"/>
+              <a:t> для </a:t>
+            </a:r>
+            <a:r>
+              <a:rPr lang="ru-RU" b="1" dirty="0" err="1"/>
+              <a:t>створення</a:t>
+            </a:r>
+            <a:r>
+              <a:rPr lang="ru-RU" b="1" dirty="0"/>
+              <a:t> </a:t>
+            </a:r>
+            <a:r>
+              <a:rPr lang="ru-RU" b="1" dirty="0" err="1"/>
+              <a:t>словників</a:t>
+            </a:r>
+            <a:r>
+              <a:rPr lang="ru-RU" dirty="0"/>
+              <a:t> — </a:t>
+            </a:r>
+            <a:r>
+              <a:rPr lang="ru-RU" dirty="0" err="1"/>
+              <a:t>це</a:t>
+            </a:r>
+            <a:r>
+              <a:rPr lang="ru-RU" dirty="0"/>
+              <a:t> одна з </a:t>
+            </a:r>
+            <a:r>
+              <a:rPr lang="ru-RU" dirty="0" err="1"/>
+              <a:t>особливостей</a:t>
+            </a:r>
+            <a:r>
+              <a:rPr lang="ru-RU" dirty="0"/>
+              <a:t> </a:t>
+            </a:r>
+            <a:r>
+              <a:rPr lang="en-US" dirty="0"/>
+              <a:t>Python, </a:t>
+            </a:r>
+            <a:r>
+              <a:rPr lang="ru-RU" dirty="0"/>
+              <a:t>яка </a:t>
+            </a:r>
+            <a:r>
+              <a:rPr lang="ru-RU" dirty="0" err="1"/>
+              <a:t>виглядає</a:t>
+            </a:r>
+            <a:r>
+              <a:rPr lang="ru-RU" dirty="0"/>
+              <a:t> як </a:t>
+            </a:r>
+            <a:r>
+              <a:rPr lang="ru-RU" dirty="0" err="1"/>
+              <a:t>щось</a:t>
+            </a:r>
+            <a:r>
+              <a:rPr lang="ru-RU" dirty="0"/>
+              <a:t> </a:t>
+            </a:r>
+            <a:r>
+              <a:rPr lang="ru-RU" dirty="0" err="1"/>
+              <a:t>дуже</a:t>
+            </a:r>
+            <a:r>
+              <a:rPr lang="ru-RU" dirty="0"/>
+              <a:t> </a:t>
+            </a:r>
+            <a:r>
+              <a:rPr lang="ru-RU" b="1" dirty="0"/>
+              <a:t>"</a:t>
+            </a:r>
+            <a:r>
+              <a:rPr lang="ru-RU" b="1" dirty="0" err="1"/>
+              <a:t>пітонічне</a:t>
+            </a:r>
+            <a:r>
+              <a:rPr lang="ru-RU" b="1" dirty="0"/>
+              <a:t>"</a:t>
+            </a:r>
+            <a:r>
+              <a:rPr lang="ru-RU" dirty="0"/>
+              <a:t>. </a:t>
+            </a:r>
+            <a:r>
+              <a:rPr lang="ru-RU" dirty="0" err="1" smtClean="0"/>
+              <a:t>Ці</a:t>
+            </a:r>
+            <a:r>
+              <a:rPr lang="ru-RU" dirty="0" smtClean="0"/>
+              <a:t> </a:t>
+            </a:r>
+            <a:r>
+              <a:rPr lang="ru-RU" dirty="0" err="1"/>
+              <a:t>вирази</a:t>
+            </a:r>
+            <a:r>
+              <a:rPr lang="ru-RU" dirty="0"/>
+              <a:t> є </a:t>
+            </a:r>
+            <a:r>
+              <a:rPr lang="ru-RU" dirty="0" err="1"/>
+              <a:t>різновидом</a:t>
+            </a:r>
+            <a:r>
+              <a:rPr lang="ru-RU" dirty="0"/>
+              <a:t> </a:t>
+            </a:r>
+            <a:r>
+              <a:rPr lang="ru-RU" dirty="0" err="1"/>
+              <a:t>циклів</a:t>
+            </a:r>
+            <a:r>
+              <a:rPr lang="ru-RU" dirty="0"/>
+              <a:t>, </a:t>
+            </a:r>
+            <a:r>
+              <a:rPr lang="ru-RU" dirty="0" err="1"/>
+              <a:t>які</a:t>
+            </a:r>
+            <a:r>
+              <a:rPr lang="ru-RU" dirty="0"/>
+              <a:t> </a:t>
+            </a:r>
+            <a:r>
+              <a:rPr lang="ru-RU" b="1" dirty="0" err="1"/>
+              <a:t>відрізняються</a:t>
+            </a:r>
+            <a:r>
+              <a:rPr lang="ru-RU" b="1" dirty="0"/>
+              <a:t> </a:t>
+            </a:r>
+            <a:r>
+              <a:rPr lang="ru-RU" b="1" dirty="0" err="1"/>
+              <a:t>від</a:t>
+            </a:r>
+            <a:r>
+              <a:rPr lang="ru-RU" b="1" dirty="0"/>
+              <a:t> </a:t>
+            </a:r>
+            <a:r>
+              <a:rPr lang="ru-RU" b="1" dirty="0" err="1"/>
+              <a:t>традиційних</a:t>
+            </a:r>
+            <a:r>
+              <a:rPr lang="ru-RU" b="1" dirty="0"/>
+              <a:t> </a:t>
+            </a:r>
+            <a:r>
+              <a:rPr lang="ru-RU" b="1" dirty="0" err="1"/>
+              <a:t>циклів</a:t>
+            </a:r>
+            <a:r>
+              <a:rPr lang="ru-RU" dirty="0"/>
+              <a:t>, </a:t>
+            </a:r>
+            <a:r>
+              <a:rPr lang="ru-RU" dirty="0" err="1"/>
+              <a:t>що</a:t>
+            </a:r>
+            <a:r>
+              <a:rPr lang="ru-RU" dirty="0"/>
+              <a:t> </a:t>
+            </a:r>
+            <a:r>
+              <a:rPr lang="ru-RU" dirty="0" err="1"/>
+              <a:t>застосовуються</a:t>
+            </a:r>
+            <a:r>
+              <a:rPr lang="ru-RU" dirty="0"/>
+              <a:t> в </a:t>
+            </a:r>
+            <a:r>
+              <a:rPr lang="ru-RU" dirty="0" err="1"/>
+              <a:t>багатьох</a:t>
+            </a:r>
+            <a:r>
+              <a:rPr lang="ru-RU" dirty="0"/>
+              <a:t> </a:t>
+            </a:r>
+            <a:r>
+              <a:rPr lang="ru-RU" dirty="0" err="1"/>
+              <a:t>інших</a:t>
+            </a:r>
+            <a:r>
+              <a:rPr lang="ru-RU" dirty="0"/>
+              <a:t> </a:t>
+            </a:r>
+            <a:r>
+              <a:rPr lang="ru-RU" dirty="0" err="1"/>
+              <a:t>мовах</a:t>
+            </a:r>
+            <a:r>
+              <a:rPr lang="ru-RU" dirty="0"/>
+              <a:t>.</a:t>
+            </a:r>
+          </a:p>
+          <a:p>
+            <a:pPr marL="186262" indent="0">
+              <a:buNone/>
+            </a:pPr>
+            <a:r>
+              <a:rPr lang="ru-RU" b="1" dirty="0" err="1" smtClean="0"/>
+              <a:t>Асинхронні</a:t>
+            </a:r>
+            <a:r>
+              <a:rPr lang="ru-RU" b="1" dirty="0" smtClean="0"/>
+              <a:t> </a:t>
+            </a:r>
+            <a:r>
+              <a:rPr lang="en-US" b="1" dirty="0"/>
+              <a:t>comprehension-</a:t>
+            </a:r>
+            <a:r>
+              <a:rPr lang="ru-RU" b="1" dirty="0" err="1"/>
+              <a:t>вирази</a:t>
+            </a:r>
+            <a:r>
+              <a:rPr lang="ru-RU" dirty="0"/>
+              <a:t> </a:t>
+            </a:r>
+            <a:r>
+              <a:rPr lang="ru-RU" dirty="0" err="1"/>
+              <a:t>дозволяють</a:t>
+            </a:r>
+            <a:r>
+              <a:rPr lang="ru-RU" dirty="0"/>
+              <a:t> </a:t>
+            </a:r>
+            <a:r>
+              <a:rPr lang="ru-RU" dirty="0" err="1"/>
+              <a:t>обходити</a:t>
+            </a:r>
+            <a:r>
+              <a:rPr lang="ru-RU" dirty="0"/>
+              <a:t> </a:t>
+            </a:r>
+            <a:r>
+              <a:rPr lang="ru-RU" b="1" dirty="0" err="1"/>
+              <a:t>асинхронні</a:t>
+            </a:r>
+            <a:r>
+              <a:rPr lang="ru-RU" b="1" dirty="0"/>
+              <a:t> </a:t>
+            </a:r>
+            <a:r>
+              <a:rPr lang="ru-RU" b="1" dirty="0" err="1"/>
+              <a:t>генератори</a:t>
+            </a:r>
+            <a:r>
+              <a:rPr lang="ru-RU" b="1" dirty="0"/>
+              <a:t> та </a:t>
+            </a:r>
+            <a:r>
+              <a:rPr lang="ru-RU" b="1" dirty="0" err="1"/>
+              <a:t>ітератори</a:t>
+            </a:r>
+            <a:r>
+              <a:rPr lang="ru-RU" dirty="0"/>
+              <a:t>, </a:t>
+            </a:r>
+            <a:r>
+              <a:rPr lang="ru-RU" dirty="0" err="1"/>
+              <a:t>використовуючи</a:t>
+            </a:r>
+            <a:r>
+              <a:rPr lang="ru-RU" dirty="0"/>
+              <a:t> </a:t>
+            </a:r>
+            <a:r>
+              <a:rPr lang="ru-RU" dirty="0" err="1"/>
+              <a:t>конструкцію</a:t>
+            </a:r>
+            <a:r>
+              <a:rPr lang="ru-RU" dirty="0"/>
+              <a:t> </a:t>
+            </a:r>
+            <a:r>
+              <a:rPr lang="en-US" dirty="0" err="1"/>
+              <a:t>async</a:t>
+            </a:r>
+            <a:r>
+              <a:rPr lang="en-US" dirty="0"/>
+              <a:t> </a:t>
+            </a:r>
+            <a:r>
+              <a:rPr lang="en-US" dirty="0" smtClean="0"/>
+              <a:t>for</a:t>
+            </a:r>
+          </a:p>
+          <a:p>
+            <a:pPr marL="186262" indent="0">
+              <a:buNone/>
+            </a:pPr>
+            <a:r>
+              <a:rPr lang="ru-RU" b="1" dirty="0"/>
+              <a:t>Модуль </a:t>
+            </a:r>
+            <a:r>
+              <a:rPr lang="en-US" b="1" dirty="0" err="1"/>
+              <a:t>asyncio</a:t>
+            </a:r>
+            <a:r>
+              <a:rPr lang="en-US" b="1" dirty="0"/>
+              <a:t> </a:t>
+            </a:r>
+            <a:r>
+              <a:rPr lang="ru-RU" b="1" dirty="0" err="1"/>
+              <a:t>підтримує</a:t>
+            </a:r>
+            <a:r>
+              <a:rPr lang="ru-RU" b="1" dirty="0"/>
+              <a:t> два </a:t>
+            </a:r>
+            <a:r>
+              <a:rPr lang="ru-RU" b="1" dirty="0" err="1"/>
+              <a:t>типи</a:t>
+            </a:r>
+            <a:r>
+              <a:rPr lang="ru-RU" b="1" dirty="0"/>
+              <a:t> </a:t>
+            </a:r>
+            <a:r>
+              <a:rPr lang="ru-RU" b="1" dirty="0" err="1"/>
+              <a:t>асинхронних</a:t>
+            </a:r>
+            <a:r>
+              <a:rPr lang="ru-RU" b="1" dirty="0"/>
+              <a:t> </a:t>
+            </a:r>
+            <a:r>
+              <a:rPr lang="en-US" b="1" dirty="0"/>
+              <a:t>comprehension-</a:t>
+            </a:r>
+            <a:r>
+              <a:rPr lang="ru-RU" b="1" dirty="0" err="1"/>
+              <a:t>виразів</a:t>
+            </a:r>
+            <a:r>
+              <a:rPr lang="ru-RU" b="1" dirty="0"/>
+              <a:t>:</a:t>
+            </a:r>
+          </a:p>
+          <a:p>
+            <a:r>
+              <a:rPr lang="ru-RU" dirty="0" err="1" smtClean="0"/>
+              <a:t>Вирази</a:t>
+            </a:r>
+            <a:r>
+              <a:rPr lang="ru-RU" dirty="0"/>
+              <a:t>, у </a:t>
+            </a:r>
+            <a:r>
+              <a:rPr lang="ru-RU" dirty="0" err="1"/>
+              <a:t>яких</a:t>
+            </a:r>
+            <a:r>
+              <a:rPr lang="ru-RU" dirty="0"/>
+              <a:t> </a:t>
+            </a:r>
+            <a:r>
+              <a:rPr lang="ru-RU" dirty="0" err="1"/>
+              <a:t>використовується</a:t>
+            </a:r>
+            <a:r>
+              <a:rPr lang="ru-RU" dirty="0"/>
+              <a:t> </a:t>
+            </a:r>
+            <a:r>
+              <a:rPr lang="en-US" b="1" dirty="0" err="1"/>
+              <a:t>async</a:t>
+            </a:r>
+            <a:r>
+              <a:rPr lang="en-US" b="1" dirty="0"/>
+              <a:t> </a:t>
+            </a:r>
+            <a:r>
+              <a:rPr lang="en-US" b="1" dirty="0" smtClean="0"/>
+              <a:t>for</a:t>
+            </a:r>
+            <a:endParaRPr lang="en-US" dirty="0" smtClean="0"/>
+          </a:p>
+          <a:p>
+            <a:r>
+              <a:rPr lang="ru-RU" dirty="0" err="1" smtClean="0"/>
+              <a:t>Вирази</a:t>
+            </a:r>
+            <a:r>
+              <a:rPr lang="ru-RU" dirty="0"/>
+              <a:t>, у </a:t>
+            </a:r>
+            <a:r>
+              <a:rPr lang="ru-RU" dirty="0" err="1"/>
+              <a:t>яких</a:t>
+            </a:r>
+            <a:r>
+              <a:rPr lang="ru-RU" dirty="0"/>
+              <a:t> </a:t>
+            </a:r>
+            <a:r>
+              <a:rPr lang="ru-RU" dirty="0" err="1"/>
+              <a:t>використовується</a:t>
+            </a:r>
+            <a:r>
+              <a:rPr lang="ru-RU" dirty="0"/>
+              <a:t> </a:t>
+            </a:r>
+            <a:r>
+              <a:rPr lang="en-US" b="1" dirty="0"/>
+              <a:t>await</a:t>
+            </a:r>
+            <a:endParaRPr lang="en-US" dirty="0"/>
+          </a:p>
+          <a:p>
+            <a:pPr marL="186262" indent="0">
+              <a:buNone/>
+            </a:pPr>
+            <a:endParaRPr lang="en-US" dirty="0"/>
+          </a:p>
+          <a:p>
+            <a:pPr marL="186262" indent="0">
+              <a:buNone/>
+            </a:pPr>
+            <a:endParaRPr lang="ru-RU" dirty="0"/>
+          </a:p>
+        </p:txBody>
+      </p:sp>
+      <p:pic>
+        <p:nvPicPr>
+          <p:cNvPr id="2050" name="Picture 2"/>
+          <p:cNvPicPr>
+            <a:picLocks noChangeAspect="1" noChangeArrowheads="1"/>
+          </p:cNvPicPr>
+          <p:nvPr/>
+        </p:nvPicPr>
+        <p:blipFill>
+          <a:blip r:embed="rId2">
+            <a:extLst>
+              <a:ext uri="{28A0092B-C50C-407E-A947-70E740481C1C}">
+                <a14:useLocalDpi xmlns:a14="http://schemas.microsoft.com/office/drawing/2010/main" val="0"/>
+              </a:ext>
+            </a:extLst>
+          </a:blip>
+          <a:srcRect/>
+          <a:stretch>
+            <a:fillRect/>
+          </a:stretch>
+        </p:blipFill>
+        <p:spPr bwMode="auto">
+          <a:xfrm>
+            <a:off x="7541015" y="3661435"/>
+            <a:ext cx="4330418" cy="1860134"/>
+          </a:xfrm>
+          <a:prstGeom prst="rect">
+            <a:avLst/>
+          </a:prstGeom>
+          <a:noFill/>
+          <a:ln>
+            <a:noFill/>
+          </a:ln>
+          <a:effectLst/>
+          <a:extLst>
+            <a:ext uri="{909E8E84-426E-40DD-AFC4-6F175D3DCCD1}">
+              <a14:hiddenFill xmlns:a14="http://schemas.microsoft.com/office/drawing/2010/main">
+                <a:solidFill>
+                  <a:schemeClr val="accent1"/>
+                </a:solidFill>
+              </a14:hiddenFill>
+            </a:ext>
+            <a:ext uri="{91240B29-F687-4F45-9708-019B960494DF}">
+              <a14:hiddenLine xmlns:a14="http://schemas.microsoft.com/office/drawing/2010/main" w="9525">
+                <a:solidFill>
+                  <a:schemeClr val="tx1"/>
+                </a:solidFill>
+                <a:miter lim="800000"/>
+                <a:headEnd/>
+                <a:tailEnd/>
+              </a14:hiddenLine>
+            </a:ext>
+            <a:ext uri="{AF507438-7753-43E0-B8FC-AC1667EBCBE1}">
+              <a14:hiddenEffects xmlns:a14="http://schemas.microsoft.com/office/drawing/2010/main">
+                <a:effectLst>
+                  <a:outerShdw dist="35921" dir="2700000" algn="ctr" rotWithShape="0">
+                    <a:schemeClr val="bg2"/>
+                  </a:outerShdw>
+                </a:effectLst>
+              </a14:hiddenEffects>
+            </a:ext>
+          </a:extLst>
+        </p:spPr>
+      </p:pic>
+    </p:spTree>
+    <p:extLst>
+      <p:ext uri="{BB962C8B-B14F-4D97-AF65-F5344CB8AC3E}">
+        <p14:creationId xmlns:p14="http://schemas.microsoft.com/office/powerpoint/2010/main" val="603119848"/>
+      </p:ext>
+    </p:extLst>
+  </p:cSld>
+  <p:clrMapOvr>
+    <a:masterClrMapping/>
+  </p:clrMapOvr>
+</p:sld>
+</file>
+
+<file path=ppt/slides/slide14.xml><?xml version="1.0" encoding="utf-8"?>
+<p:sld xmlns:a="http://schemas.openxmlformats.org/drawingml/2006/main" xmlns:r="http://schemas.openxmlformats.org/officeDocument/2006/relationships" xmlns:p="http://schemas.openxmlformats.org/presentationml/2006/main">
+  <p:cSld>
+    <p:spTree>
+      <p:nvGrpSpPr>
+        <p:cNvPr id="1" name=""/>
+        <p:cNvGrpSpPr/>
+        <p:nvPr/>
+      </p:nvGrpSpPr>
+      <p:grpSpPr>
+        <a:xfrm>
+          <a:off x="0" y="0"/>
+          <a:ext cx="0" cy="0"/>
+          <a:chOff x="0" y="0"/>
+          <a:chExt cx="0" cy="0"/>
+        </a:xfrm>
+      </p:grpSpPr>
+      <p:sp>
+        <p:nvSpPr>
+          <p:cNvPr id="2" name="Заголовок 1"/>
+          <p:cNvSpPr>
+            <a:spLocks noGrp="1"/>
+          </p:cNvSpPr>
+          <p:nvPr>
+            <p:ph type="title"/>
+          </p:nvPr>
+        </p:nvSpPr>
+        <p:spPr/>
+        <p:txBody>
+          <a:bodyPr/>
+          <a:lstStyle/>
+          <a:p>
+            <a:r>
+              <a:rPr lang="ru-RU" dirty="0" err="1"/>
+              <a:t>Асинхронні</a:t>
+            </a:r>
+            <a:r>
+              <a:rPr lang="ru-RU" dirty="0"/>
+              <a:t> </a:t>
+            </a:r>
+            <a:r>
+              <a:rPr lang="en-US" dirty="0"/>
+              <a:t>comprehension-</a:t>
+            </a:r>
+            <a:r>
+              <a:rPr lang="ru-RU" dirty="0" err="1"/>
+              <a:t>вирази</a:t>
+            </a:r>
+            <a:endParaRPr lang="ru-RU" dirty="0"/>
+          </a:p>
+        </p:txBody>
+      </p:sp>
+      <p:sp>
+        <p:nvSpPr>
+          <p:cNvPr id="3" name="Текст 2"/>
+          <p:cNvSpPr>
+            <a:spLocks noGrp="1"/>
+          </p:cNvSpPr>
+          <p:nvPr>
+            <p:ph type="body" idx="1"/>
+          </p:nvPr>
+        </p:nvSpPr>
+        <p:spPr>
+          <a:xfrm>
+            <a:off x="415600" y="1536633"/>
+            <a:ext cx="11098806" cy="3035367"/>
+          </a:xfrm>
+        </p:spPr>
+        <p:txBody>
+          <a:bodyPr>
+            <a:normAutofit/>
+          </a:bodyPr>
+          <a:lstStyle/>
+          <a:p>
+            <a:pPr marL="186262" indent="0">
+              <a:buNone/>
+            </a:pPr>
+            <a:r>
+              <a:rPr lang="ru-RU" dirty="0"/>
+              <a:t>При </a:t>
+            </a:r>
+            <a:r>
+              <a:rPr lang="ru-RU" dirty="0" err="1"/>
+              <a:t>використанні</a:t>
+            </a:r>
+            <a:r>
+              <a:rPr lang="ru-RU" dirty="0"/>
+              <a:t> </a:t>
+            </a:r>
+            <a:r>
+              <a:rPr lang="ru-RU" dirty="0" err="1"/>
+              <a:t>цієї</a:t>
+            </a:r>
+            <a:r>
+              <a:rPr lang="ru-RU" dirty="0"/>
+              <a:t> </a:t>
+            </a:r>
+            <a:r>
+              <a:rPr lang="ru-RU" dirty="0" err="1"/>
+              <a:t>конструкції</a:t>
+            </a:r>
+            <a:r>
+              <a:rPr lang="ru-RU" dirty="0"/>
+              <a:t> </a:t>
+            </a:r>
+            <a:r>
+              <a:rPr lang="ru-RU" dirty="0" err="1"/>
+              <a:t>створюється</a:t>
+            </a:r>
+            <a:r>
+              <a:rPr lang="ru-RU" dirty="0"/>
+              <a:t> </a:t>
+            </a:r>
+            <a:r>
+              <a:rPr lang="ru-RU" b="1" dirty="0"/>
+              <a:t>список </a:t>
+            </a:r>
+            <a:r>
+              <a:rPr lang="ru-RU" b="1" dirty="0" err="1"/>
+              <a:t>результатів</a:t>
+            </a:r>
+            <a:r>
+              <a:rPr lang="ru-RU" dirty="0"/>
+              <a:t>, </a:t>
+            </a:r>
+            <a:r>
+              <a:rPr lang="ru-RU" dirty="0" err="1"/>
+              <a:t>отриманих</a:t>
+            </a:r>
+            <a:r>
+              <a:rPr lang="ru-RU" dirty="0"/>
+              <a:t> </a:t>
+            </a:r>
+            <a:r>
+              <a:rPr lang="ru-RU" dirty="0" err="1"/>
+              <a:t>після</a:t>
+            </a:r>
+            <a:r>
+              <a:rPr lang="ru-RU" dirty="0"/>
+              <a:t> </a:t>
+            </a:r>
+            <a:r>
+              <a:rPr lang="ru-RU" b="1" dirty="0" err="1"/>
+              <a:t>послідовного</a:t>
+            </a:r>
+            <a:r>
+              <a:rPr lang="ru-RU" b="1" dirty="0"/>
+              <a:t> </a:t>
+            </a:r>
+            <a:r>
+              <a:rPr lang="ru-RU" b="1" dirty="0" err="1"/>
+              <a:t>очікування</a:t>
+            </a:r>
+            <a:r>
+              <a:rPr lang="ru-RU" dirty="0"/>
+              <a:t> </a:t>
+            </a:r>
+            <a:r>
+              <a:rPr lang="ru-RU" dirty="0" err="1"/>
+              <a:t>завершення</a:t>
+            </a:r>
+            <a:r>
+              <a:rPr lang="ru-RU" dirty="0"/>
+              <a:t> кожного з </a:t>
+            </a:r>
+            <a:r>
+              <a:rPr lang="ru-RU" dirty="0" err="1"/>
+              <a:t>об'єктів</a:t>
+            </a:r>
+            <a:r>
+              <a:rPr lang="ru-RU" dirty="0"/>
+              <a:t>, </a:t>
+            </a:r>
+            <a:r>
+              <a:rPr lang="ru-RU" dirty="0" err="1"/>
+              <a:t>які</a:t>
+            </a:r>
+            <a:r>
+              <a:rPr lang="ru-RU" dirty="0"/>
+              <a:t> </a:t>
+            </a:r>
+            <a:r>
+              <a:rPr lang="ru-RU" dirty="0" err="1"/>
+              <a:t>підтримують</a:t>
+            </a:r>
+            <a:r>
+              <a:rPr lang="ru-RU" dirty="0"/>
+              <a:t> </a:t>
+            </a:r>
+            <a:r>
+              <a:rPr lang="en-US" dirty="0"/>
+              <a:t>await.</a:t>
+            </a:r>
+          </a:p>
+          <a:p>
+            <a:pPr marL="186262" indent="0">
+              <a:buNone/>
+            </a:pPr>
+            <a:r>
+              <a:rPr lang="ru-RU" b="1" dirty="0" err="1" smtClean="0"/>
+              <a:t>Важливий</a:t>
+            </a:r>
+            <a:r>
+              <a:rPr lang="ru-RU" b="1" dirty="0" smtClean="0"/>
+              <a:t> нюанс:</a:t>
+            </a:r>
+            <a:endParaRPr lang="en-US" dirty="0" smtClean="0"/>
+          </a:p>
+          <a:p>
+            <a:r>
+              <a:rPr lang="ru-RU" dirty="0" err="1" smtClean="0"/>
+              <a:t>Поточна</a:t>
+            </a:r>
+            <a:r>
+              <a:rPr lang="ru-RU" dirty="0" smtClean="0"/>
+              <a:t> </a:t>
+            </a:r>
+            <a:r>
+              <a:rPr lang="ru-RU" b="1" dirty="0" err="1"/>
+              <a:t>корутина</a:t>
+            </a:r>
+            <a:r>
+              <a:rPr lang="ru-RU" b="1" dirty="0"/>
+              <a:t> </a:t>
+            </a:r>
+            <a:r>
+              <a:rPr lang="ru-RU" b="1" dirty="0" err="1"/>
+              <a:t>призупиняється</a:t>
+            </a:r>
+            <a:r>
+              <a:rPr lang="ru-RU" dirty="0"/>
+              <a:t>, </a:t>
+            </a:r>
+            <a:r>
+              <a:rPr lang="ru-RU" dirty="0" err="1"/>
+              <a:t>щоб</a:t>
+            </a:r>
+            <a:r>
+              <a:rPr lang="ru-RU" dirty="0"/>
+              <a:t> </a:t>
+            </a:r>
+            <a:r>
+              <a:rPr lang="ru-RU" dirty="0" err="1"/>
+              <a:t>дочекатися</a:t>
+            </a:r>
+            <a:r>
+              <a:rPr lang="ru-RU" dirty="0"/>
+              <a:t> </a:t>
+            </a:r>
+            <a:r>
+              <a:rPr lang="ru-RU" dirty="0" err="1"/>
+              <a:t>виконання</a:t>
+            </a:r>
+            <a:r>
+              <a:rPr lang="ru-RU" dirty="0"/>
+              <a:t> кожного </a:t>
+            </a:r>
+            <a:r>
+              <a:rPr lang="en-US" dirty="0" err="1"/>
+              <a:t>awaitable</a:t>
+            </a:r>
+            <a:r>
+              <a:rPr lang="en-US" dirty="0"/>
+              <a:t>-</a:t>
+            </a:r>
+            <a:r>
+              <a:rPr lang="ru-RU" dirty="0" err="1"/>
+              <a:t>об'єкта</a:t>
+            </a:r>
+            <a:r>
+              <a:rPr lang="ru-RU" dirty="0"/>
+              <a:t> </a:t>
+            </a:r>
+            <a:r>
+              <a:rPr lang="ru-RU" b="1" dirty="0"/>
+              <a:t>по </a:t>
+            </a:r>
+            <a:r>
+              <a:rPr lang="ru-RU" b="1" dirty="0" err="1" smtClean="0"/>
+              <a:t>черзі</a:t>
+            </a:r>
+            <a:r>
+              <a:rPr lang="ru-RU" dirty="0" smtClean="0"/>
+              <a:t>.</a:t>
+            </a:r>
+            <a:r>
+              <a:rPr lang="en-US" dirty="0" smtClean="0"/>
+              <a:t> </a:t>
+            </a:r>
+            <a:r>
+              <a:rPr lang="ru-RU" dirty="0" err="1" smtClean="0"/>
+              <a:t>Це</a:t>
+            </a:r>
+            <a:r>
+              <a:rPr lang="ru-RU" dirty="0" smtClean="0"/>
+              <a:t> </a:t>
+            </a:r>
+            <a:r>
+              <a:rPr lang="ru-RU" b="1" dirty="0" err="1"/>
+              <a:t>відрізняється</a:t>
+            </a:r>
+            <a:r>
+              <a:rPr lang="ru-RU" dirty="0"/>
+              <a:t> </a:t>
+            </a:r>
+            <a:r>
+              <a:rPr lang="ru-RU" dirty="0" err="1"/>
+              <a:t>від</a:t>
+            </a:r>
+            <a:r>
+              <a:rPr lang="ru-RU" dirty="0"/>
+              <a:t> конкурентного </a:t>
+            </a:r>
+            <a:r>
+              <a:rPr lang="ru-RU" dirty="0" err="1"/>
+              <a:t>виконання</a:t>
+            </a:r>
+            <a:r>
+              <a:rPr lang="ru-RU" dirty="0"/>
+              <a:t> через </a:t>
+            </a:r>
+            <a:r>
+              <a:rPr lang="en-US" dirty="0" err="1"/>
+              <a:t>asyncio.gather</a:t>
+            </a:r>
+            <a:r>
+              <a:rPr lang="en-US" dirty="0"/>
+              <a:t>(), </a:t>
+            </a:r>
+            <a:r>
+              <a:rPr lang="ru-RU" dirty="0"/>
+              <a:t>яке </a:t>
+            </a:r>
+            <a:r>
+              <a:rPr lang="ru-RU" dirty="0" err="1"/>
+              <a:t>дозволяє</a:t>
+            </a:r>
+            <a:r>
+              <a:rPr lang="ru-RU" dirty="0"/>
+              <a:t> </a:t>
+            </a:r>
+            <a:r>
+              <a:rPr lang="ru-RU" b="1" dirty="0" err="1"/>
+              <a:t>запускати</a:t>
+            </a:r>
+            <a:r>
+              <a:rPr lang="ru-RU" b="1" dirty="0"/>
+              <a:t> </a:t>
+            </a:r>
+            <a:r>
+              <a:rPr lang="ru-RU" b="1" dirty="0" err="1"/>
+              <a:t>всі</a:t>
+            </a:r>
+            <a:r>
+              <a:rPr lang="ru-RU" b="1" dirty="0"/>
+              <a:t> </a:t>
+            </a:r>
+            <a:r>
+              <a:rPr lang="ru-RU" b="1" dirty="0" err="1"/>
+              <a:t>об'єкти</a:t>
+            </a:r>
+            <a:r>
+              <a:rPr lang="ru-RU" b="1" dirty="0"/>
+              <a:t> </a:t>
+            </a:r>
+            <a:r>
+              <a:rPr lang="ru-RU" b="1" dirty="0" err="1" smtClean="0"/>
+              <a:t>паралельно</a:t>
+            </a:r>
+            <a:r>
+              <a:rPr lang="ru-RU" dirty="0" smtClean="0"/>
+              <a:t>.</a:t>
+            </a:r>
+            <a:r>
+              <a:rPr lang="en-US" dirty="0" smtClean="0"/>
+              <a:t> </a:t>
+            </a:r>
+            <a:r>
+              <a:rPr lang="ru-RU" dirty="0" smtClean="0"/>
+              <a:t>Через </a:t>
+            </a:r>
+            <a:r>
+              <a:rPr lang="ru-RU" dirty="0" err="1"/>
+              <a:t>це</a:t>
+            </a:r>
+            <a:r>
+              <a:rPr lang="ru-RU" dirty="0"/>
+              <a:t> </a:t>
+            </a:r>
+            <a:r>
+              <a:rPr lang="ru-RU" b="1" dirty="0" err="1"/>
+              <a:t>асинхронне</a:t>
+            </a:r>
+            <a:r>
+              <a:rPr lang="ru-RU" b="1" dirty="0"/>
+              <a:t> </a:t>
+            </a:r>
+            <a:r>
+              <a:rPr lang="ru-RU" b="1" dirty="0" err="1"/>
+              <a:t>спискове</a:t>
+            </a:r>
+            <a:r>
+              <a:rPr lang="ru-RU" b="1" dirty="0"/>
+              <a:t> </a:t>
+            </a:r>
+            <a:r>
+              <a:rPr lang="ru-RU" b="1" dirty="0" err="1"/>
+              <a:t>включення</a:t>
+            </a:r>
+            <a:r>
+              <a:rPr lang="ru-RU" b="1" dirty="0"/>
+              <a:t> </a:t>
+            </a:r>
+            <a:r>
+              <a:rPr lang="ru-RU" b="1" dirty="0" err="1"/>
+              <a:t>може</a:t>
+            </a:r>
+            <a:r>
+              <a:rPr lang="ru-RU" b="1" dirty="0"/>
+              <a:t> </a:t>
+            </a:r>
+            <a:r>
+              <a:rPr lang="ru-RU" b="1" dirty="0" err="1"/>
+              <a:t>працювати</a:t>
+            </a:r>
+            <a:r>
+              <a:rPr lang="ru-RU" b="1" dirty="0"/>
+              <a:t> </a:t>
+            </a:r>
+            <a:r>
+              <a:rPr lang="ru-RU" b="1" dirty="0" err="1"/>
+              <a:t>повільніше</a:t>
+            </a:r>
+            <a:r>
+              <a:rPr lang="ru-RU" dirty="0"/>
+              <a:t>, </a:t>
+            </a:r>
+            <a:r>
+              <a:rPr lang="ru-RU" dirty="0" err="1"/>
+              <a:t>ніж</a:t>
+            </a:r>
+            <a:r>
+              <a:rPr lang="ru-RU" dirty="0"/>
+              <a:t> </a:t>
+            </a:r>
+            <a:r>
+              <a:rPr lang="en-US" dirty="0" err="1"/>
+              <a:t>asyncio.gather</a:t>
+            </a:r>
+            <a:r>
+              <a:rPr lang="en-US" dirty="0" smtClean="0"/>
+              <a:t>() (</a:t>
+            </a:r>
+            <a:r>
+              <a:rPr lang="ru-RU" dirty="0" smtClean="0"/>
+              <a:t>перший вар</a:t>
+            </a:r>
+            <a:r>
+              <a:rPr lang="uk-UA" dirty="0" err="1" smtClean="0"/>
+              <a:t>іант</a:t>
+            </a:r>
+            <a:r>
+              <a:rPr lang="uk-UA" dirty="0" smtClean="0"/>
+              <a:t>)</a:t>
+            </a:r>
+            <a:endParaRPr lang="en-US" dirty="0"/>
+          </a:p>
+          <a:p>
+            <a:pPr marL="186262" indent="0">
+              <a:buNone/>
+            </a:pPr>
+            <a:endParaRPr lang="en-US" dirty="0"/>
+          </a:p>
+          <a:p>
+            <a:pPr marL="186262" indent="0">
+              <a:buNone/>
+            </a:pPr>
+            <a:endParaRPr lang="ru-RU" dirty="0"/>
+          </a:p>
+        </p:txBody>
+      </p:sp>
+      <p:pic>
+        <p:nvPicPr>
+          <p:cNvPr id="3074" name="Picture 2"/>
+          <p:cNvPicPr>
+            <a:picLocks noChangeAspect="1" noChangeArrowheads="1"/>
+          </p:cNvPicPr>
+          <p:nvPr/>
+        </p:nvPicPr>
+        <p:blipFill>
+          <a:blip r:embed="rId2">
+            <a:extLst>
+              <a:ext uri="{28A0092B-C50C-407E-A947-70E740481C1C}">
+                <a14:useLocalDpi xmlns:a14="http://schemas.microsoft.com/office/drawing/2010/main" val="0"/>
+              </a:ext>
+            </a:extLst>
+          </a:blip>
+          <a:srcRect/>
+          <a:stretch>
+            <a:fillRect/>
+          </a:stretch>
+        </p:blipFill>
+        <p:spPr bwMode="auto">
+          <a:xfrm>
+            <a:off x="542925" y="4363037"/>
+            <a:ext cx="11102975" cy="1920875"/>
+          </a:xfrm>
+          <a:prstGeom prst="rect">
+            <a:avLst/>
+          </a:prstGeom>
+          <a:noFill/>
+          <a:ln>
+            <a:noFill/>
+          </a:ln>
+          <a:effectLst/>
+          <a:extLst>
+            <a:ext uri="{909E8E84-426E-40DD-AFC4-6F175D3DCCD1}">
+              <a14:hiddenFill xmlns:a14="http://schemas.microsoft.com/office/drawing/2010/main">
+                <a:solidFill>
+                  <a:schemeClr val="accent1"/>
+                </a:solidFill>
+              </a14:hiddenFill>
+            </a:ext>
+            <a:ext uri="{91240B29-F687-4F45-9708-019B960494DF}">
+              <a14:hiddenLine xmlns:a14="http://schemas.microsoft.com/office/drawing/2010/main" w="9525">
+                <a:solidFill>
+                  <a:schemeClr val="tx1"/>
+                </a:solidFill>
+                <a:miter lim="800000"/>
+                <a:headEnd/>
+                <a:tailEnd/>
+              </a14:hiddenLine>
+            </a:ext>
+            <a:ext uri="{AF507438-7753-43E0-B8FC-AC1667EBCBE1}">
+              <a14:hiddenEffects xmlns:a14="http://schemas.microsoft.com/office/drawing/2010/main">
+                <a:effectLst>
+                  <a:outerShdw dist="35921" dir="2700000" algn="ctr" rotWithShape="0">
+                    <a:schemeClr val="bg2"/>
+                  </a:outerShdw>
+                </a:effectLst>
+              </a14:hiddenEffects>
+            </a:ext>
+          </a:extLst>
+        </p:spPr>
+      </p:pic>
+    </p:spTree>
+    <p:extLst>
+      <p:ext uri="{BB962C8B-B14F-4D97-AF65-F5344CB8AC3E}">
+        <p14:creationId xmlns:p14="http://schemas.microsoft.com/office/powerpoint/2010/main" val="2473070676"/>
+      </p:ext>
+    </p:extLst>
+  </p:cSld>
+  <p:clrMapOvr>
+    <a:masterClrMapping/>
+  </p:clrMapOvr>
+</p:sld>
+</file>
+
+<file path=ppt/slides/slide15.xml><?xml version="1.0" encoding="utf-8"?>
+<p:sld xmlns:a="http://schemas.openxmlformats.org/drawingml/2006/main" xmlns:r="http://schemas.openxmlformats.org/officeDocument/2006/relationships" xmlns:p="http://schemas.openxmlformats.org/presentationml/2006/main">
+  <p:cSld>
+    <p:spTree>
+      <p:nvGrpSpPr>
+        <p:cNvPr id="1" name=""/>
+        <p:cNvGrpSpPr/>
+        <p:nvPr/>
+      </p:nvGrpSpPr>
+      <p:grpSpPr>
+        <a:xfrm>
+          <a:off x="0" y="0"/>
+          <a:ext cx="0" cy="0"/>
+          <a:chOff x="0" y="0"/>
+          <a:chExt cx="0" cy="0"/>
+        </a:xfrm>
+      </p:grpSpPr>
+      <p:sp>
+        <p:nvSpPr>
+          <p:cNvPr id="2" name="Заголовок 1"/>
+          <p:cNvSpPr>
+            <a:spLocks noGrp="1"/>
+          </p:cNvSpPr>
+          <p:nvPr>
+            <p:ph type="title"/>
+          </p:nvPr>
+        </p:nvSpPr>
+        <p:spPr/>
+        <p:txBody>
+          <a:bodyPr/>
+          <a:lstStyle/>
+          <a:p>
+            <a:r>
+              <a:rPr lang="uk-UA" dirty="0" smtClean="0"/>
+              <a:t>Істина </a:t>
+            </a:r>
+            <a:r>
+              <a:rPr lang="uk-UA" dirty="0" err="1" smtClean="0"/>
+              <a:t>багатопоточність</a:t>
+            </a:r>
+            <a:endParaRPr lang="ru-RU" dirty="0"/>
+          </a:p>
+        </p:txBody>
+      </p:sp>
+      <p:sp>
+        <p:nvSpPr>
+          <p:cNvPr id="3" name="Текст 2"/>
+          <p:cNvSpPr>
+            <a:spLocks noGrp="1"/>
+          </p:cNvSpPr>
+          <p:nvPr>
+            <p:ph type="body" idx="1"/>
+          </p:nvPr>
+        </p:nvSpPr>
+        <p:spPr>
+          <a:xfrm>
+            <a:off x="415600" y="1536633"/>
+            <a:ext cx="6062572" cy="4653152"/>
+          </a:xfrm>
+        </p:spPr>
+        <p:txBody>
+          <a:bodyPr>
+            <a:normAutofit fontScale="92500"/>
+          </a:bodyPr>
+          <a:lstStyle/>
+          <a:p>
+            <a:pPr marL="186262" indent="0">
+              <a:buNone/>
+            </a:pPr>
+            <a:r>
+              <a:rPr lang="ru-RU" dirty="0"/>
+              <a:t>Модуль </a:t>
+            </a:r>
+            <a:r>
+              <a:rPr lang="en-US" dirty="0"/>
+              <a:t>multiprocessing </a:t>
+            </a:r>
+            <a:r>
+              <a:rPr lang="ru-RU" dirty="0"/>
+              <a:t>у </a:t>
+            </a:r>
+            <a:r>
+              <a:rPr lang="en-US" dirty="0"/>
+              <a:t>Python </a:t>
+            </a:r>
+            <a:r>
+              <a:rPr lang="ru-RU" dirty="0" err="1"/>
+              <a:t>дозволяє</a:t>
+            </a:r>
+            <a:r>
+              <a:rPr lang="ru-RU" dirty="0"/>
+              <a:t> </a:t>
+            </a:r>
+            <a:r>
+              <a:rPr lang="ru-RU" dirty="0" err="1"/>
+              <a:t>використовувати</a:t>
+            </a:r>
+            <a:r>
+              <a:rPr lang="ru-RU" dirty="0"/>
+              <a:t> </a:t>
+            </a:r>
+            <a:r>
+              <a:rPr lang="ru-RU" dirty="0" err="1"/>
+              <a:t>справжній</a:t>
+            </a:r>
+            <a:r>
+              <a:rPr lang="ru-RU" dirty="0"/>
+              <a:t> </a:t>
+            </a:r>
+            <a:r>
+              <a:rPr lang="ru-RU" dirty="0" err="1"/>
+              <a:t>паралелізм</a:t>
+            </a:r>
+            <a:r>
+              <a:rPr lang="ru-RU" dirty="0"/>
+              <a:t>, </a:t>
+            </a:r>
+            <a:r>
+              <a:rPr lang="ru-RU" dirty="0" err="1"/>
+              <a:t>тобто</a:t>
+            </a:r>
+            <a:r>
+              <a:rPr lang="ru-RU" dirty="0"/>
+              <a:t> </a:t>
+            </a:r>
+            <a:r>
+              <a:rPr lang="ru-RU" dirty="0" err="1"/>
+              <a:t>створювати</a:t>
+            </a:r>
+            <a:r>
+              <a:rPr lang="ru-RU" dirty="0"/>
+              <a:t> </a:t>
+            </a:r>
+            <a:r>
+              <a:rPr lang="ru-RU" dirty="0" err="1"/>
+              <a:t>окремі</a:t>
+            </a:r>
+            <a:r>
+              <a:rPr lang="ru-RU" dirty="0"/>
+              <a:t> </a:t>
+            </a:r>
+            <a:r>
+              <a:rPr lang="ru-RU" dirty="0" err="1"/>
+              <a:t>процеси</a:t>
+            </a:r>
+            <a:r>
+              <a:rPr lang="ru-RU" dirty="0"/>
+              <a:t>, </a:t>
+            </a:r>
+            <a:r>
+              <a:rPr lang="ru-RU" dirty="0" err="1"/>
+              <a:t>які</a:t>
+            </a:r>
+            <a:r>
+              <a:rPr lang="ru-RU" dirty="0"/>
+              <a:t> </a:t>
+            </a:r>
+            <a:r>
+              <a:rPr lang="ru-RU" dirty="0" err="1"/>
+              <a:t>виконуються</a:t>
+            </a:r>
+            <a:r>
+              <a:rPr lang="ru-RU" dirty="0"/>
+              <a:t> </a:t>
+            </a:r>
+            <a:r>
+              <a:rPr lang="ru-RU" dirty="0" err="1"/>
+              <a:t>повністю</a:t>
+            </a:r>
+            <a:r>
+              <a:rPr lang="ru-RU" dirty="0"/>
+              <a:t> </a:t>
+            </a:r>
+            <a:r>
+              <a:rPr lang="ru-RU" dirty="0" err="1"/>
+              <a:t>незалежно</a:t>
+            </a:r>
+            <a:r>
+              <a:rPr lang="ru-RU" dirty="0"/>
+              <a:t> один </a:t>
+            </a:r>
+            <a:r>
+              <a:rPr lang="ru-RU" dirty="0" err="1"/>
+              <a:t>від</a:t>
+            </a:r>
+            <a:r>
+              <a:rPr lang="ru-RU" dirty="0"/>
+              <a:t> одного.</a:t>
+            </a:r>
+          </a:p>
+          <a:p>
+            <a:r>
+              <a:rPr lang="ru-RU" dirty="0" err="1"/>
+              <a:t>Відмінність</a:t>
+            </a:r>
+            <a:r>
+              <a:rPr lang="ru-RU" dirty="0"/>
+              <a:t> </a:t>
+            </a:r>
+            <a:r>
+              <a:rPr lang="ru-RU" dirty="0" err="1"/>
+              <a:t>від</a:t>
+            </a:r>
+            <a:r>
+              <a:rPr lang="ru-RU" dirty="0"/>
+              <a:t> </a:t>
+            </a:r>
+            <a:r>
+              <a:rPr lang="en-US" dirty="0"/>
+              <a:t>threading </a:t>
+            </a:r>
+            <a:r>
+              <a:rPr lang="ru-RU" dirty="0"/>
+              <a:t>у тому, </a:t>
+            </a:r>
+            <a:r>
+              <a:rPr lang="ru-RU" dirty="0" err="1"/>
+              <a:t>що</a:t>
+            </a:r>
+            <a:r>
+              <a:rPr lang="ru-RU" dirty="0"/>
+              <a:t> потоки </a:t>
+            </a:r>
+            <a:r>
+              <a:rPr lang="ru-RU" dirty="0" err="1"/>
+              <a:t>використовують</a:t>
+            </a:r>
+            <a:r>
+              <a:rPr lang="ru-RU" dirty="0"/>
+              <a:t> </a:t>
+            </a:r>
+            <a:r>
+              <a:rPr lang="ru-RU" dirty="0" err="1"/>
+              <a:t>спільну</a:t>
+            </a:r>
+            <a:r>
+              <a:rPr lang="ru-RU" dirty="0"/>
+              <a:t> </a:t>
+            </a:r>
+            <a:r>
+              <a:rPr lang="ru-RU" dirty="0" err="1"/>
+              <a:t>пам’ять</a:t>
+            </a:r>
+            <a:r>
+              <a:rPr lang="ru-RU" dirty="0"/>
+              <a:t> і </a:t>
+            </a:r>
+            <a:r>
+              <a:rPr lang="ru-RU" dirty="0" err="1"/>
+              <a:t>обмежені</a:t>
+            </a:r>
+            <a:r>
+              <a:rPr lang="ru-RU" dirty="0"/>
+              <a:t> </a:t>
+            </a:r>
+            <a:r>
+              <a:rPr lang="en-US" dirty="0"/>
+              <a:t>GIL (Global Interpreter Lock), </a:t>
+            </a:r>
+            <a:r>
+              <a:rPr lang="ru-RU" dirty="0" err="1"/>
+              <a:t>тоді</a:t>
+            </a:r>
+            <a:r>
+              <a:rPr lang="ru-RU" dirty="0"/>
+              <a:t> як </a:t>
+            </a:r>
+            <a:r>
+              <a:rPr lang="en-US" dirty="0"/>
+              <a:t>multiprocessing </a:t>
+            </a:r>
+            <a:r>
+              <a:rPr lang="ru-RU" dirty="0" err="1"/>
+              <a:t>створює</a:t>
+            </a:r>
+            <a:r>
+              <a:rPr lang="ru-RU" dirty="0"/>
+              <a:t> </a:t>
+            </a:r>
+            <a:r>
+              <a:rPr lang="ru-RU" dirty="0" err="1"/>
+              <a:t>окремі</a:t>
+            </a:r>
+            <a:r>
+              <a:rPr lang="ru-RU" dirty="0"/>
+              <a:t> </a:t>
+            </a:r>
+            <a:r>
+              <a:rPr lang="ru-RU" dirty="0" err="1"/>
+              <a:t>процеси</a:t>
+            </a:r>
+            <a:r>
+              <a:rPr lang="ru-RU" dirty="0"/>
+              <a:t>, </a:t>
+            </a:r>
+            <a:r>
+              <a:rPr lang="ru-RU" dirty="0" err="1"/>
+              <a:t>які</a:t>
+            </a:r>
+            <a:r>
+              <a:rPr lang="ru-RU" dirty="0"/>
+              <a:t> </a:t>
+            </a:r>
+            <a:r>
+              <a:rPr lang="ru-RU" dirty="0" err="1"/>
+              <a:t>мають</a:t>
+            </a:r>
+            <a:r>
+              <a:rPr lang="ru-RU" dirty="0"/>
+              <a:t> </a:t>
+            </a:r>
+            <a:r>
+              <a:rPr lang="ru-RU" dirty="0" err="1"/>
+              <a:t>власну</a:t>
+            </a:r>
+            <a:r>
+              <a:rPr lang="ru-RU" dirty="0"/>
+              <a:t> </a:t>
+            </a:r>
+            <a:r>
+              <a:rPr lang="ru-RU" dirty="0" err="1"/>
+              <a:t>пам’ять</a:t>
+            </a:r>
+            <a:r>
+              <a:rPr lang="ru-RU" dirty="0"/>
+              <a:t> і </a:t>
+            </a:r>
+            <a:r>
+              <a:rPr lang="ru-RU" dirty="0" err="1"/>
+              <a:t>можуть</a:t>
+            </a:r>
+            <a:r>
+              <a:rPr lang="ru-RU" dirty="0"/>
+              <a:t> </a:t>
+            </a:r>
+            <a:r>
+              <a:rPr lang="ru-RU" dirty="0" err="1"/>
+              <a:t>використовувати</a:t>
+            </a:r>
+            <a:r>
+              <a:rPr lang="ru-RU" dirty="0"/>
+              <a:t> </a:t>
+            </a:r>
+            <a:r>
+              <a:rPr lang="ru-RU" dirty="0" err="1"/>
+              <a:t>всі</a:t>
+            </a:r>
+            <a:r>
+              <a:rPr lang="ru-RU" dirty="0"/>
+              <a:t> ядра </a:t>
+            </a:r>
+            <a:r>
+              <a:rPr lang="ru-RU" dirty="0" err="1"/>
+              <a:t>процесора</a:t>
+            </a:r>
+            <a:r>
+              <a:rPr lang="ru-RU" dirty="0"/>
+              <a:t>.</a:t>
+            </a:r>
+          </a:p>
+          <a:p>
+            <a:r>
+              <a:rPr lang="ru-RU" dirty="0" err="1"/>
+              <a:t>Процеси</a:t>
+            </a:r>
+            <a:r>
+              <a:rPr lang="ru-RU" dirty="0"/>
+              <a:t> не </a:t>
+            </a:r>
+            <a:r>
+              <a:rPr lang="ru-RU" dirty="0" err="1"/>
+              <a:t>мають</a:t>
+            </a:r>
+            <a:r>
+              <a:rPr lang="ru-RU" dirty="0"/>
+              <a:t> </a:t>
+            </a:r>
+            <a:r>
+              <a:rPr lang="ru-RU" dirty="0" err="1"/>
+              <a:t>спільної</a:t>
+            </a:r>
+            <a:r>
+              <a:rPr lang="ru-RU" dirty="0"/>
+              <a:t> </a:t>
+            </a:r>
+            <a:r>
+              <a:rPr lang="ru-RU" dirty="0" err="1"/>
+              <a:t>пам’яті</a:t>
+            </a:r>
+            <a:r>
+              <a:rPr lang="ru-RU" dirty="0"/>
+              <a:t> та не </a:t>
+            </a:r>
+            <a:r>
+              <a:rPr lang="ru-RU" dirty="0" err="1"/>
+              <a:t>можуть</a:t>
+            </a:r>
+            <a:r>
+              <a:rPr lang="ru-RU" dirty="0"/>
+              <a:t> просто так </a:t>
+            </a:r>
+            <a:r>
+              <a:rPr lang="ru-RU" dirty="0" err="1"/>
+              <a:t>змінювати</a:t>
+            </a:r>
+            <a:r>
+              <a:rPr lang="ru-RU" dirty="0"/>
+              <a:t> </a:t>
+            </a:r>
+            <a:r>
+              <a:rPr lang="ru-RU" dirty="0" err="1"/>
+              <a:t>однакові</a:t>
+            </a:r>
+            <a:r>
+              <a:rPr lang="ru-RU" dirty="0"/>
+              <a:t> </a:t>
+            </a:r>
+            <a:r>
+              <a:rPr lang="ru-RU" dirty="0" err="1"/>
+              <a:t>змінні</a:t>
+            </a:r>
+            <a:r>
+              <a:rPr lang="ru-RU" dirty="0"/>
+              <a:t>. </a:t>
+            </a:r>
+            <a:r>
+              <a:rPr lang="ru-RU" dirty="0" err="1"/>
+              <a:t>Бажано</a:t>
+            </a:r>
+            <a:r>
+              <a:rPr lang="ru-RU" dirty="0"/>
+              <a:t> </a:t>
+            </a:r>
+            <a:r>
+              <a:rPr lang="ru-RU" dirty="0" err="1"/>
+              <a:t>уникати</a:t>
+            </a:r>
+            <a:r>
+              <a:rPr lang="ru-RU" dirty="0"/>
+              <a:t> </a:t>
+            </a:r>
+            <a:r>
+              <a:rPr lang="ru-RU" dirty="0" err="1"/>
+              <a:t>міжпроцесного</a:t>
+            </a:r>
+            <a:r>
+              <a:rPr lang="ru-RU" dirty="0"/>
+              <a:t> </a:t>
+            </a:r>
+            <a:r>
+              <a:rPr lang="ru-RU" dirty="0" err="1"/>
+              <a:t>обміну</a:t>
+            </a:r>
+            <a:r>
+              <a:rPr lang="ru-RU" dirty="0"/>
+              <a:t> </a:t>
+            </a:r>
+            <a:r>
+              <a:rPr lang="ru-RU" dirty="0" err="1"/>
+              <a:t>даними</a:t>
+            </a:r>
+            <a:r>
+              <a:rPr lang="ru-RU" dirty="0"/>
+              <a:t>, </a:t>
+            </a:r>
+            <a:r>
+              <a:rPr lang="ru-RU" dirty="0" err="1"/>
+              <a:t>якщо</a:t>
+            </a:r>
+            <a:r>
+              <a:rPr lang="ru-RU" dirty="0"/>
+              <a:t> </a:t>
+            </a:r>
+            <a:r>
+              <a:rPr lang="ru-RU" dirty="0" err="1"/>
+              <a:t>це</a:t>
+            </a:r>
+            <a:r>
+              <a:rPr lang="ru-RU" dirty="0"/>
+              <a:t> </a:t>
+            </a:r>
+            <a:r>
+              <a:rPr lang="ru-RU" dirty="0" err="1"/>
+              <a:t>можливо</a:t>
+            </a:r>
+            <a:r>
+              <a:rPr lang="ru-RU" dirty="0"/>
+              <a:t>, але для </a:t>
+            </a:r>
+            <a:r>
+              <a:rPr lang="ru-RU" dirty="0" err="1"/>
+              <a:t>складних</a:t>
+            </a:r>
+            <a:r>
+              <a:rPr lang="ru-RU" dirty="0"/>
+              <a:t> задач </a:t>
+            </a:r>
+            <a:r>
+              <a:rPr lang="ru-RU" dirty="0" err="1"/>
+              <a:t>він</a:t>
+            </a:r>
+            <a:r>
+              <a:rPr lang="ru-RU" dirty="0"/>
+              <a:t> </a:t>
+            </a:r>
+            <a:r>
+              <a:rPr lang="ru-RU" dirty="0" err="1"/>
+              <a:t>може</a:t>
+            </a:r>
+            <a:r>
+              <a:rPr lang="ru-RU" dirty="0"/>
+              <a:t> бути </a:t>
+            </a:r>
+            <a:r>
+              <a:rPr lang="ru-RU" dirty="0" err="1"/>
+              <a:t>необхідним</a:t>
+            </a:r>
+            <a:r>
+              <a:rPr lang="ru-RU" dirty="0"/>
+              <a:t>, </a:t>
+            </a:r>
+            <a:r>
+              <a:rPr lang="ru-RU" dirty="0" err="1"/>
+              <a:t>хоча</a:t>
+            </a:r>
+            <a:r>
+              <a:rPr lang="ru-RU" dirty="0"/>
+              <a:t> </a:t>
+            </a:r>
+            <a:r>
+              <a:rPr lang="ru-RU" dirty="0" err="1"/>
+              <a:t>ускладнює</a:t>
+            </a:r>
+            <a:r>
+              <a:rPr lang="ru-RU" dirty="0"/>
+              <a:t> </a:t>
+            </a:r>
+            <a:r>
+              <a:rPr lang="ru-RU" dirty="0" err="1"/>
+              <a:t>реалізацію</a:t>
+            </a:r>
+            <a:r>
+              <a:rPr lang="ru-RU" dirty="0"/>
+              <a:t>.</a:t>
+            </a:r>
+          </a:p>
+          <a:p>
+            <a:pPr marL="186262" indent="0">
+              <a:buNone/>
+            </a:pPr>
+            <a:endParaRPr lang="en-US" dirty="0"/>
+          </a:p>
+          <a:p>
+            <a:pPr marL="186262" indent="0">
+              <a:buNone/>
+            </a:pPr>
+            <a:endParaRPr lang="ru-RU" dirty="0"/>
+          </a:p>
+        </p:txBody>
+      </p:sp>
+      <p:pic>
+        <p:nvPicPr>
+          <p:cNvPr id="4099" name="Picture 3"/>
+          <p:cNvPicPr>
+            <a:picLocks noChangeAspect="1" noChangeArrowheads="1"/>
+          </p:cNvPicPr>
+          <p:nvPr/>
+        </p:nvPicPr>
+        <p:blipFill>
+          <a:blip r:embed="rId2">
+            <a:extLst>
+              <a:ext uri="{28A0092B-C50C-407E-A947-70E740481C1C}">
+                <a14:useLocalDpi xmlns:a14="http://schemas.microsoft.com/office/drawing/2010/main" val="0"/>
+              </a:ext>
+            </a:extLst>
+          </a:blip>
+          <a:srcRect/>
+          <a:stretch>
+            <a:fillRect/>
+          </a:stretch>
+        </p:blipFill>
+        <p:spPr bwMode="auto">
+          <a:xfrm>
+            <a:off x="7579409" y="1196633"/>
+            <a:ext cx="3534068" cy="4628489"/>
+          </a:xfrm>
+          <a:prstGeom prst="rect">
+            <a:avLst/>
+          </a:prstGeom>
+          <a:noFill/>
+          <a:ln>
+            <a:noFill/>
+          </a:ln>
+          <a:effectLst/>
+          <a:extLst>
+            <a:ext uri="{909E8E84-426E-40DD-AFC4-6F175D3DCCD1}">
+              <a14:hiddenFill xmlns:a14="http://schemas.microsoft.com/office/drawing/2010/main">
+                <a:solidFill>
+                  <a:schemeClr val="accent1"/>
+                </a:solidFill>
+              </a14:hiddenFill>
+            </a:ext>
+            <a:ext uri="{91240B29-F687-4F45-9708-019B960494DF}">
+              <a14:hiddenLine xmlns:a14="http://schemas.microsoft.com/office/drawing/2010/main" w="9525">
+                <a:solidFill>
+                  <a:schemeClr val="tx1"/>
+                </a:solidFill>
+                <a:miter lim="800000"/>
+                <a:headEnd/>
+                <a:tailEnd/>
+              </a14:hiddenLine>
+            </a:ext>
+            <a:ext uri="{AF507438-7753-43E0-B8FC-AC1667EBCBE1}">
+              <a14:hiddenEffects xmlns:a14="http://schemas.microsoft.com/office/drawing/2010/main">
+                <a:effectLst>
+                  <a:outerShdw dist="35921" dir="2700000" algn="ctr" rotWithShape="0">
+                    <a:schemeClr val="bg2"/>
+                  </a:outerShdw>
+                </a:effectLst>
+              </a14:hiddenEffects>
+            </a:ext>
+          </a:extLst>
+        </p:spPr>
+      </p:pic>
+    </p:spTree>
+    <p:extLst>
+      <p:ext uri="{BB962C8B-B14F-4D97-AF65-F5344CB8AC3E}">
+        <p14:creationId xmlns:p14="http://schemas.microsoft.com/office/powerpoint/2010/main" val="1352761801"/>
+      </p:ext>
+    </p:extLst>
+  </p:cSld>
+  <p:clrMapOvr>
+    <a:masterClrMapping/>
+  </p:clrMapOvr>
+</p:sld>
+</file>
+
+<file path=ppt/slides/slide16.xml><?xml version="1.0" encoding="utf-8"?>
+<p:sld xmlns:a="http://schemas.openxmlformats.org/drawingml/2006/main" xmlns:r="http://schemas.openxmlformats.org/officeDocument/2006/relationships" xmlns:p="http://schemas.openxmlformats.org/presentationml/2006/main">
+  <p:cSld>
+    <p:spTree>
+      <p:nvGrpSpPr>
+        <p:cNvPr id="1" name=""/>
+        <p:cNvGrpSpPr/>
+        <p:nvPr/>
+      </p:nvGrpSpPr>
+      <p:grpSpPr>
+        <a:xfrm>
+          <a:off x="0" y="0"/>
+          <a:ext cx="0" cy="0"/>
+          <a:chOff x="0" y="0"/>
+          <a:chExt cx="0" cy="0"/>
+        </a:xfrm>
+      </p:grpSpPr>
+      <p:sp>
+        <p:nvSpPr>
+          <p:cNvPr id="2" name="Заголовок 1"/>
+          <p:cNvSpPr>
+            <a:spLocks noGrp="1"/>
+          </p:cNvSpPr>
+          <p:nvPr>
+            <p:ph type="title"/>
+          </p:nvPr>
+        </p:nvSpPr>
+        <p:spPr/>
+        <p:txBody>
+          <a:bodyPr/>
+          <a:lstStyle/>
+          <a:p>
+            <a:r>
+              <a:rPr lang="uk-UA" dirty="0" smtClean="0"/>
+              <a:t>Істина </a:t>
+            </a:r>
+            <a:r>
+              <a:rPr lang="uk-UA" dirty="0" err="1" smtClean="0"/>
+              <a:t>багатопоточність</a:t>
+            </a:r>
+            <a:endParaRPr lang="ru-RU" dirty="0"/>
+          </a:p>
+        </p:txBody>
+      </p:sp>
+      <p:sp>
+        <p:nvSpPr>
+          <p:cNvPr id="3" name="Текст 2"/>
+          <p:cNvSpPr>
+            <a:spLocks noGrp="1"/>
+          </p:cNvSpPr>
+          <p:nvPr>
+            <p:ph type="body" idx="1"/>
+          </p:nvPr>
+        </p:nvSpPr>
+        <p:spPr>
+          <a:xfrm>
+            <a:off x="415600" y="1536633"/>
+            <a:ext cx="6062572" cy="4653152"/>
+          </a:xfrm>
+        </p:spPr>
+        <p:txBody>
+          <a:bodyPr>
+            <a:normAutofit/>
+          </a:bodyPr>
+          <a:lstStyle/>
+          <a:p>
+            <a:pPr marL="186262" indent="0">
+              <a:buNone/>
+            </a:pPr>
+            <a:r>
+              <a:rPr lang="ru-RU" b="1" dirty="0"/>
+              <a:t>Як </a:t>
+            </a:r>
+            <a:r>
+              <a:rPr lang="ru-RU" b="1" dirty="0" err="1"/>
+              <a:t>це</a:t>
+            </a:r>
+            <a:r>
+              <a:rPr lang="ru-RU" b="1" dirty="0"/>
+              <a:t> </a:t>
+            </a:r>
+            <a:r>
+              <a:rPr lang="ru-RU" b="1" dirty="0" err="1"/>
+              <a:t>працює</a:t>
+            </a:r>
+            <a:r>
+              <a:rPr lang="ru-RU" b="1" dirty="0"/>
+              <a:t>?</a:t>
+            </a:r>
+          </a:p>
+          <a:p>
+            <a:r>
+              <a:rPr lang="ru-RU" dirty="0" err="1"/>
+              <a:t>Створюємо</a:t>
+            </a:r>
+            <a:r>
+              <a:rPr lang="ru-RU" dirty="0"/>
+              <a:t> два </a:t>
+            </a:r>
+            <a:r>
+              <a:rPr lang="ru-RU" dirty="0" err="1"/>
+              <a:t>процеси</a:t>
+            </a:r>
+            <a:r>
+              <a:rPr lang="ru-RU" dirty="0"/>
+              <a:t> та </a:t>
+            </a:r>
+            <a:r>
+              <a:rPr lang="ru-RU" dirty="0" err="1"/>
+              <a:t>передаємо</a:t>
+            </a:r>
+            <a:r>
+              <a:rPr lang="ru-RU" dirty="0"/>
+              <a:t> кожному з них </a:t>
+            </a:r>
+            <a:r>
+              <a:rPr lang="ru-RU" dirty="0" err="1"/>
+              <a:t>функцію</a:t>
+            </a:r>
+            <a:r>
+              <a:rPr lang="ru-RU" dirty="0"/>
+              <a:t> </a:t>
+            </a:r>
+            <a:r>
+              <a:rPr lang="en-US" dirty="0"/>
+              <a:t>task().</a:t>
+            </a:r>
+          </a:p>
+          <a:p>
+            <a:r>
+              <a:rPr lang="ru-RU" dirty="0"/>
+              <a:t>Конструктор </a:t>
+            </a:r>
+            <a:r>
+              <a:rPr lang="en-US" dirty="0"/>
+              <a:t>Process() </a:t>
+            </a:r>
+            <a:r>
+              <a:rPr lang="ru-RU" dirty="0" err="1"/>
+              <a:t>повертає</a:t>
+            </a:r>
+            <a:r>
+              <a:rPr lang="ru-RU" dirty="0"/>
+              <a:t> </a:t>
+            </a:r>
+            <a:r>
+              <a:rPr lang="ru-RU" dirty="0" err="1"/>
+              <a:t>новий</a:t>
+            </a:r>
+            <a:r>
+              <a:rPr lang="ru-RU" dirty="0"/>
+              <a:t> </a:t>
+            </a:r>
+            <a:r>
+              <a:rPr lang="ru-RU" dirty="0" err="1"/>
+              <a:t>об'єкт</a:t>
+            </a:r>
+            <a:r>
+              <a:rPr lang="ru-RU" dirty="0"/>
+              <a:t> </a:t>
+            </a:r>
+            <a:r>
+              <a:rPr lang="en-US" dirty="0"/>
+              <a:t>Process.</a:t>
+            </a:r>
+          </a:p>
+          <a:p>
+            <a:r>
+              <a:rPr lang="ru-RU" dirty="0" err="1"/>
+              <a:t>Викликаємо</a:t>
+            </a:r>
+            <a:r>
+              <a:rPr lang="ru-RU" dirty="0"/>
+              <a:t> метод </a:t>
+            </a:r>
+            <a:r>
+              <a:rPr lang="en-US" dirty="0"/>
+              <a:t>start(), </a:t>
+            </a:r>
+            <a:r>
+              <a:rPr lang="ru-RU" dirty="0" err="1"/>
+              <a:t>щоб</a:t>
+            </a:r>
+            <a:r>
+              <a:rPr lang="ru-RU" dirty="0"/>
+              <a:t> </a:t>
+            </a:r>
+            <a:r>
+              <a:rPr lang="ru-RU" dirty="0" err="1"/>
+              <a:t>запустити</a:t>
+            </a:r>
+            <a:r>
+              <a:rPr lang="ru-RU" dirty="0"/>
+              <a:t> </a:t>
+            </a:r>
+            <a:r>
+              <a:rPr lang="ru-RU" dirty="0" err="1"/>
+              <a:t>процеси</a:t>
+            </a:r>
+            <a:r>
+              <a:rPr lang="ru-RU" dirty="0"/>
+              <a:t>.</a:t>
+            </a:r>
+          </a:p>
+          <a:p>
+            <a:r>
+              <a:rPr lang="ru-RU" dirty="0" err="1"/>
+              <a:t>Чекаємо</a:t>
+            </a:r>
+            <a:r>
+              <a:rPr lang="ru-RU" dirty="0"/>
+              <a:t> на </a:t>
+            </a:r>
+            <a:r>
+              <a:rPr lang="ru-RU" dirty="0" err="1"/>
+              <a:t>завершення</a:t>
+            </a:r>
+            <a:r>
+              <a:rPr lang="ru-RU" dirty="0"/>
+              <a:t> </a:t>
+            </a:r>
+            <a:r>
+              <a:rPr lang="ru-RU" dirty="0" err="1"/>
+              <a:t>процесів</a:t>
+            </a:r>
+            <a:r>
+              <a:rPr lang="ru-RU" dirty="0"/>
+              <a:t> за </a:t>
+            </a:r>
+            <a:r>
+              <a:rPr lang="ru-RU" dirty="0" err="1"/>
+              <a:t>допомогою</a:t>
+            </a:r>
+            <a:r>
+              <a:rPr lang="ru-RU" dirty="0"/>
+              <a:t> методу </a:t>
+            </a:r>
+            <a:r>
+              <a:rPr lang="en-US" dirty="0"/>
+              <a:t>join()</a:t>
+            </a:r>
+          </a:p>
+          <a:p>
+            <a:pPr marL="186262" indent="0">
+              <a:buNone/>
+            </a:pPr>
+            <a:endParaRPr lang="en-US" dirty="0"/>
+          </a:p>
+          <a:p>
+            <a:pPr marL="186262" indent="0">
+              <a:buNone/>
+            </a:pPr>
+            <a:endParaRPr lang="ru-RU" dirty="0"/>
+          </a:p>
+        </p:txBody>
+      </p:sp>
+      <p:pic>
+        <p:nvPicPr>
+          <p:cNvPr id="5122" name="Picture 2"/>
+          <p:cNvPicPr>
+            <a:picLocks noChangeAspect="1" noChangeArrowheads="1"/>
+          </p:cNvPicPr>
+          <p:nvPr/>
+        </p:nvPicPr>
+        <p:blipFill>
+          <a:blip r:embed="rId2">
+            <a:extLst>
+              <a:ext uri="{28A0092B-C50C-407E-A947-70E740481C1C}">
+                <a14:useLocalDpi xmlns:a14="http://schemas.microsoft.com/office/drawing/2010/main" val="0"/>
+              </a:ext>
+            </a:extLst>
+          </a:blip>
+          <a:srcRect/>
+          <a:stretch>
+            <a:fillRect/>
+          </a:stretch>
+        </p:blipFill>
+        <p:spPr bwMode="auto">
+          <a:xfrm>
+            <a:off x="7698984" y="1210701"/>
+            <a:ext cx="3444875" cy="4511675"/>
+          </a:xfrm>
+          <a:prstGeom prst="rect">
+            <a:avLst/>
+          </a:prstGeom>
+          <a:noFill/>
+          <a:ln>
+            <a:noFill/>
+          </a:ln>
+          <a:effectLst/>
+          <a:extLst>
+            <a:ext uri="{909E8E84-426E-40DD-AFC4-6F175D3DCCD1}">
+              <a14:hiddenFill xmlns:a14="http://schemas.microsoft.com/office/drawing/2010/main">
+                <a:solidFill>
+                  <a:schemeClr val="accent1"/>
+                </a:solidFill>
+              </a14:hiddenFill>
+            </a:ext>
+            <a:ext uri="{91240B29-F687-4F45-9708-019B960494DF}">
+              <a14:hiddenLine xmlns:a14="http://schemas.microsoft.com/office/drawing/2010/main" w="9525">
+                <a:solidFill>
+                  <a:schemeClr val="tx1"/>
+                </a:solidFill>
+                <a:miter lim="800000"/>
+                <a:headEnd/>
+                <a:tailEnd/>
+              </a14:hiddenLine>
+            </a:ext>
+            <a:ext uri="{AF507438-7753-43E0-B8FC-AC1667EBCBE1}">
+              <a14:hiddenEffects xmlns:a14="http://schemas.microsoft.com/office/drawing/2010/main">
+                <a:effectLst>
+                  <a:outerShdw dist="35921" dir="2700000" algn="ctr" rotWithShape="0">
+                    <a:schemeClr val="bg2"/>
+                  </a:outerShdw>
+                </a:effectLst>
+              </a14:hiddenEffects>
+            </a:ext>
+          </a:extLst>
+        </p:spPr>
+      </p:pic>
+    </p:spTree>
+    <p:extLst>
+      <p:ext uri="{BB962C8B-B14F-4D97-AF65-F5344CB8AC3E}">
+        <p14:creationId xmlns:p14="http://schemas.microsoft.com/office/powerpoint/2010/main" val="1608140840"/>
+      </p:ext>
+    </p:extLst>
+  </p:cSld>
+  <p:clrMapOvr>
+    <a:masterClrMapping/>
+  </p:clrMapOvr>
+</p:sld>
+</file>
+
+<file path=ppt/slides/slide17.xml><?xml version="1.0" encoding="utf-8"?>
 <p:sld xmlns:a="http://schemas.openxmlformats.org/drawingml/2006/main" xmlns:r="http://schemas.openxmlformats.org/officeDocument/2006/relationships" xmlns:p="http://schemas.openxmlformats.org/presentationml/2006/main">
   <p:cSld>
     <p:spTree>
@@ -5428,7 +7721,6 @@
               <a:rPr lang="ru-RU" dirty="0"/>
               <a:t>Асинхронна парадигма</a:t>
             </a:r>
-            <a:endParaRPr lang="ru-RU" dirty="0"/>
           </a:p>
         </p:txBody>
       </p:sp>
@@ -9055,11 +11347,7 @@
             </a:r>
             <a:r>
               <a:rPr lang="uk-UA" dirty="0" smtClean="0"/>
-              <a:t>)</a:t>
-            </a:r>
-            <a:r>
-              <a:rPr lang="uk-UA" dirty="0" smtClean="0"/>
-              <a:t>.</a:t>
+              <a:t>).</a:t>
             </a:r>
           </a:p>
           <a:p>
@@ -10192,7 +12480,7 @@
   <a:extraClrSchemeLst/>
   <a:extLst>
     <a:ext uri="{05A4C25C-085E-4340-85A3-A5531E510DB2}">
-      <thm15:themeFamily xmlns="" xmlns:thm15="http://schemas.microsoft.com/office/thememl/2012/main" name="Тема1" id="{884C1F1E-9F01-4BBC-9178-D2152F7854D1}" vid="{BC98F467-AD48-49C5-B04A-5003BE156FC1}"/>
+      <thm15:themeFamily xmlns:thm15="http://schemas.microsoft.com/office/thememl/2012/main" xmlns="" name="Тема1" id="{884C1F1E-9F01-4BBC-9178-D2152F7854D1}" vid="{BC98F467-AD48-49C5-B04A-5003BE156FC1}"/>
     </a:ext>
   </a:extLst>
 </a:theme>
